--- a/Тест сайта www_auto_ru.pptx
+++ b/Тест сайта www_auto_ru.pptx
@@ -5,8 +5,7 @@
     <p:sldMasterId id="2147483648" r:id="rId1"/>
   </p:sldMasterIdLst>
   <p:sldIdLst>
-    <p:sldId id="256" r:id="rId2"/>
-    <p:sldId id="257" r:id="rId3"/>
+    <p:sldId id="257" r:id="rId2"/>
   </p:sldIdLst>
   <p:sldSz cx="9144000" cy="6858000" type="screen4x3"/>
   <p:notesSz cx="6858000" cy="9144000"/>
@@ -289,7 +288,7 @@
           <a:p>
             <a:fld id="{B4C71EC6-210F-42DE-9C53-41977AD35B3D}" type="datetimeFigureOut">
               <a:rPr lang="ru-RU" smtClean="0"/>
-              <a:t>02.11.2016</a:t>
+              <a:t>08.11.2016</a:t>
             </a:fld>
             <a:endParaRPr lang="ru-RU"/>
           </a:p>
@@ -454,7 +453,7 @@
           <a:p>
             <a:fld id="{B4C71EC6-210F-42DE-9C53-41977AD35B3D}" type="datetimeFigureOut">
               <a:rPr lang="ru-RU" smtClean="0"/>
-              <a:t>02.11.2016</a:t>
+              <a:t>08.11.2016</a:t>
             </a:fld>
             <a:endParaRPr lang="ru-RU"/>
           </a:p>
@@ -629,7 +628,7 @@
           <a:p>
             <a:fld id="{B4C71EC6-210F-42DE-9C53-41977AD35B3D}" type="datetimeFigureOut">
               <a:rPr lang="ru-RU" smtClean="0"/>
-              <a:t>02.11.2016</a:t>
+              <a:t>08.11.2016</a:t>
             </a:fld>
             <a:endParaRPr lang="ru-RU"/>
           </a:p>
@@ -794,7 +793,7 @@
           <a:p>
             <a:fld id="{B4C71EC6-210F-42DE-9C53-41977AD35B3D}" type="datetimeFigureOut">
               <a:rPr lang="ru-RU" smtClean="0"/>
-              <a:t>02.11.2016</a:t>
+              <a:t>08.11.2016</a:t>
             </a:fld>
             <a:endParaRPr lang="ru-RU"/>
           </a:p>
@@ -1035,7 +1034,7 @@
           <a:p>
             <a:fld id="{B4C71EC6-210F-42DE-9C53-41977AD35B3D}" type="datetimeFigureOut">
               <a:rPr lang="ru-RU" smtClean="0"/>
-              <a:t>02.11.2016</a:t>
+              <a:t>08.11.2016</a:t>
             </a:fld>
             <a:endParaRPr lang="ru-RU"/>
           </a:p>
@@ -1318,7 +1317,7 @@
           <a:p>
             <a:fld id="{B4C71EC6-210F-42DE-9C53-41977AD35B3D}" type="datetimeFigureOut">
               <a:rPr lang="ru-RU" smtClean="0"/>
-              <a:t>02.11.2016</a:t>
+              <a:t>08.11.2016</a:t>
             </a:fld>
             <a:endParaRPr lang="ru-RU"/>
           </a:p>
@@ -1735,7 +1734,7 @@
           <a:p>
             <a:fld id="{B4C71EC6-210F-42DE-9C53-41977AD35B3D}" type="datetimeFigureOut">
               <a:rPr lang="ru-RU" smtClean="0"/>
-              <a:t>02.11.2016</a:t>
+              <a:t>08.11.2016</a:t>
             </a:fld>
             <a:endParaRPr lang="ru-RU"/>
           </a:p>
@@ -1848,7 +1847,7 @@
           <a:p>
             <a:fld id="{B4C71EC6-210F-42DE-9C53-41977AD35B3D}" type="datetimeFigureOut">
               <a:rPr lang="ru-RU" smtClean="0"/>
-              <a:t>02.11.2016</a:t>
+              <a:t>08.11.2016</a:t>
             </a:fld>
             <a:endParaRPr lang="ru-RU"/>
           </a:p>
@@ -1938,7 +1937,7 @@
           <a:p>
             <a:fld id="{B4C71EC6-210F-42DE-9C53-41977AD35B3D}" type="datetimeFigureOut">
               <a:rPr lang="ru-RU" smtClean="0"/>
-              <a:t>02.11.2016</a:t>
+              <a:t>08.11.2016</a:t>
             </a:fld>
             <a:endParaRPr lang="ru-RU"/>
           </a:p>
@@ -2210,7 +2209,7 @@
           <a:p>
             <a:fld id="{B4C71EC6-210F-42DE-9C53-41977AD35B3D}" type="datetimeFigureOut">
               <a:rPr lang="ru-RU" smtClean="0"/>
-              <a:t>02.11.2016</a:t>
+              <a:t>08.11.2016</a:t>
             </a:fld>
             <a:endParaRPr lang="ru-RU"/>
           </a:p>
@@ -2458,7 +2457,7 @@
           <a:p>
             <a:fld id="{B4C71EC6-210F-42DE-9C53-41977AD35B3D}" type="datetimeFigureOut">
               <a:rPr lang="ru-RU" smtClean="0"/>
-              <a:t>02.11.2016</a:t>
+              <a:t>08.11.2016</a:t>
             </a:fld>
             <a:endParaRPr lang="ru-RU"/>
           </a:p>
@@ -2666,7 +2665,7 @@
           <a:p>
             <a:fld id="{B4C71EC6-210F-42DE-9C53-41977AD35B3D}" type="datetimeFigureOut">
               <a:rPr lang="ru-RU" smtClean="0"/>
-              <a:t>02.11.2016</a:t>
+              <a:t>08.11.2016</a:t>
             </a:fld>
             <a:endParaRPr lang="ru-RU"/>
           </a:p>
@@ -3070,460 +3069,6 @@
           </a:p>
         </p:txBody>
       </p:sp>
-      <p:grpSp>
-        <p:nvGrpSpPr>
-          <p:cNvPr id="31" name="Группа 30"/>
-          <p:cNvGrpSpPr/>
-          <p:nvPr/>
-        </p:nvGrpSpPr>
-        <p:grpSpPr>
-          <a:xfrm>
-            <a:off x="4644008" y="692696"/>
-            <a:ext cx="4248472" cy="5904656"/>
-            <a:chOff x="4716016" y="692696"/>
-            <a:chExt cx="4248472" cy="5904656"/>
-          </a:xfrm>
-        </p:grpSpPr>
-        <p:sp>
-          <p:nvSpPr>
-            <p:cNvPr id="26" name="Прямоугольник 25"/>
-            <p:cNvSpPr/>
-            <p:nvPr/>
-          </p:nvSpPr>
-          <p:spPr>
-            <a:xfrm>
-              <a:off x="4716016" y="692696"/>
-              <a:ext cx="4248472" cy="5904656"/>
-            </a:xfrm>
-            <a:prstGeom prst="rect">
-              <a:avLst/>
-            </a:prstGeom>
-            <a:solidFill>
-              <a:schemeClr val="accent6">
-                <a:lumMod val="20000"/>
-                <a:lumOff val="80000"/>
-              </a:schemeClr>
-            </a:solidFill>
-            <a:ln>
-              <a:solidFill>
-                <a:schemeClr val="tx1"/>
-              </a:solidFill>
-            </a:ln>
-          </p:spPr>
-          <p:style>
-            <a:lnRef idx="2">
-              <a:schemeClr val="accent1">
-                <a:shade val="50000"/>
-              </a:schemeClr>
-            </a:lnRef>
-            <a:fillRef idx="1">
-              <a:schemeClr val="accent1"/>
-            </a:fillRef>
-            <a:effectRef idx="0">
-              <a:schemeClr val="accent1"/>
-            </a:effectRef>
-            <a:fontRef idx="minor">
-              <a:schemeClr val="lt1"/>
-            </a:fontRef>
-          </p:style>
-          <p:txBody>
-            <a:bodyPr rtlCol="0" anchor="t"/>
-            <a:lstStyle/>
-            <a:p>
-              <a:r>
-                <a:rPr lang="en-US" b="1" dirty="0" smtClean="0">
-                  <a:solidFill>
-                    <a:schemeClr val="tx1"/>
-                  </a:solidFill>
-                </a:rPr>
-                <a:t>Mind map</a:t>
-              </a:r>
-              <a:endParaRPr lang="ru-RU" b="1" dirty="0">
-                <a:solidFill>
-                  <a:schemeClr val="tx1"/>
-                </a:solidFill>
-              </a:endParaRPr>
-            </a:p>
-          </p:txBody>
-        </p:sp>
-        <p:sp>
-          <p:nvSpPr>
-            <p:cNvPr id="5" name="TextBox 4"/>
-            <p:cNvSpPr txBox="1"/>
-            <p:nvPr/>
-          </p:nvSpPr>
-          <p:spPr>
-            <a:xfrm>
-              <a:off x="5940152" y="2708920"/>
-              <a:ext cx="1512168" cy="461665"/>
-            </a:xfrm>
-            <a:prstGeom prst="rect">
-              <a:avLst/>
-            </a:prstGeom>
-            <a:solidFill>
-              <a:schemeClr val="accent3">
-                <a:lumMod val="60000"/>
-                <a:lumOff val="40000"/>
-              </a:schemeClr>
-            </a:solidFill>
-            <a:ln>
-              <a:solidFill>
-                <a:schemeClr val="tx1"/>
-              </a:solidFill>
-            </a:ln>
-          </p:spPr>
-          <p:txBody>
-            <a:bodyPr wrap="square" rtlCol="0" anchor="ctr">
-              <a:spAutoFit/>
-            </a:bodyPr>
-            <a:lstStyle/>
-            <a:p>
-              <a:pPr algn="ctr"/>
-              <a:r>
-                <a:rPr lang="ru-RU" sz="1200" dirty="0" smtClean="0"/>
-                <a:t>Загрузка сайта из разных браузеров</a:t>
-              </a:r>
-              <a:endParaRPr lang="ru-RU" sz="1200" dirty="0"/>
-            </a:p>
-          </p:txBody>
-        </p:sp>
-        <p:sp>
-          <p:nvSpPr>
-            <p:cNvPr id="6" name="TextBox 5"/>
-            <p:cNvSpPr txBox="1"/>
-            <p:nvPr/>
-          </p:nvSpPr>
-          <p:spPr>
-            <a:xfrm>
-              <a:off x="5940152" y="3645024"/>
-              <a:ext cx="1512168" cy="461665"/>
-            </a:xfrm>
-            <a:prstGeom prst="rect">
-              <a:avLst/>
-            </a:prstGeom>
-            <a:solidFill>
-              <a:schemeClr val="accent3">
-                <a:lumMod val="60000"/>
-                <a:lumOff val="40000"/>
-              </a:schemeClr>
-            </a:solidFill>
-            <a:ln>
-              <a:solidFill>
-                <a:schemeClr val="tx1"/>
-              </a:solidFill>
-            </a:ln>
-          </p:spPr>
-          <p:txBody>
-            <a:bodyPr wrap="square" rtlCol="0" anchor="ctr">
-              <a:spAutoFit/>
-            </a:bodyPr>
-            <a:lstStyle/>
-            <a:p>
-              <a:pPr algn="ctr"/>
-              <a:r>
-                <a:rPr lang="ru-RU" sz="1200" dirty="0" smtClean="0"/>
-                <a:t>Выбор марки автомобиля</a:t>
-              </a:r>
-              <a:endParaRPr lang="ru-RU" sz="1200" dirty="0"/>
-            </a:p>
-          </p:txBody>
-        </p:sp>
-        <p:sp>
-          <p:nvSpPr>
-            <p:cNvPr id="7" name="TextBox 6"/>
-            <p:cNvSpPr txBox="1"/>
-            <p:nvPr/>
-          </p:nvSpPr>
-          <p:spPr>
-            <a:xfrm>
-              <a:off x="5940152" y="4581128"/>
-              <a:ext cx="1512168" cy="461665"/>
-            </a:xfrm>
-            <a:prstGeom prst="rect">
-              <a:avLst/>
-            </a:prstGeom>
-            <a:solidFill>
-              <a:schemeClr val="accent3">
-                <a:lumMod val="60000"/>
-                <a:lumOff val="40000"/>
-              </a:schemeClr>
-            </a:solidFill>
-            <a:ln>
-              <a:solidFill>
-                <a:schemeClr val="tx1"/>
-              </a:solidFill>
-            </a:ln>
-          </p:spPr>
-          <p:txBody>
-            <a:bodyPr wrap="square" rtlCol="0" anchor="ctr">
-              <a:spAutoFit/>
-            </a:bodyPr>
-            <a:lstStyle/>
-            <a:p>
-              <a:pPr algn="ctr"/>
-              <a:r>
-                <a:rPr lang="ru-RU" sz="1200" dirty="0" smtClean="0"/>
-                <a:t>Выбор модели автомобиля</a:t>
-              </a:r>
-              <a:endParaRPr lang="ru-RU" sz="1200" dirty="0"/>
-            </a:p>
-          </p:txBody>
-        </p:sp>
-        <p:sp>
-          <p:nvSpPr>
-            <p:cNvPr id="8" name="TextBox 7"/>
-            <p:cNvSpPr txBox="1"/>
-            <p:nvPr/>
-          </p:nvSpPr>
-          <p:spPr>
-            <a:xfrm>
-              <a:off x="5940152" y="5590981"/>
-              <a:ext cx="1512168" cy="646331"/>
-            </a:xfrm>
-            <a:prstGeom prst="rect">
-              <a:avLst/>
-            </a:prstGeom>
-            <a:solidFill>
-              <a:schemeClr val="accent3">
-                <a:lumMod val="60000"/>
-                <a:lumOff val="40000"/>
-              </a:schemeClr>
-            </a:solidFill>
-            <a:ln>
-              <a:solidFill>
-                <a:schemeClr val="tx1"/>
-              </a:solidFill>
-            </a:ln>
-          </p:spPr>
-          <p:txBody>
-            <a:bodyPr wrap="square" rtlCol="0" anchor="ctr">
-              <a:spAutoFit/>
-            </a:bodyPr>
-            <a:lstStyle/>
-            <a:p>
-              <a:pPr algn="ctr"/>
-              <a:r>
-                <a:rPr lang="ru-RU" sz="1200" dirty="0" smtClean="0"/>
-                <a:t>Поиск по остальным параметрам</a:t>
-              </a:r>
-              <a:endParaRPr lang="ru-RU" sz="1200" dirty="0"/>
-            </a:p>
-          </p:txBody>
-        </p:sp>
-        <p:sp>
-          <p:nvSpPr>
-            <p:cNvPr id="10" name="TextBox 9"/>
-            <p:cNvSpPr txBox="1"/>
-            <p:nvPr/>
-          </p:nvSpPr>
-          <p:spPr>
-            <a:xfrm>
-              <a:off x="5940152" y="1340768"/>
-              <a:ext cx="1512168" cy="1015663"/>
-            </a:xfrm>
-            <a:prstGeom prst="rect">
-              <a:avLst/>
-            </a:prstGeom>
-            <a:solidFill>
-              <a:schemeClr val="accent5">
-                <a:lumMod val="20000"/>
-                <a:lumOff val="80000"/>
-              </a:schemeClr>
-            </a:solidFill>
-            <a:ln>
-              <a:solidFill>
-                <a:schemeClr val="tx1"/>
-              </a:solidFill>
-            </a:ln>
-          </p:spPr>
-          <p:txBody>
-            <a:bodyPr wrap="square" rtlCol="0" anchor="ctr">
-              <a:spAutoFit/>
-            </a:bodyPr>
-            <a:lstStyle/>
-            <a:p>
-              <a:pPr algn="ctr"/>
-              <a:r>
-                <a:rPr lang="ru-RU" sz="1200" dirty="0" smtClean="0"/>
-                <a:t>Тестирование функциональности сайта </a:t>
-              </a:r>
-              <a:r>
-                <a:rPr lang="en-US" sz="1200" dirty="0">
-                  <a:hlinkClick r:id="rId2"/>
-                </a:rPr>
-                <a:t>http://</a:t>
-              </a:r>
-              <a:r>
-                <a:rPr lang="en-US" sz="1200" dirty="0" smtClean="0">
-                  <a:hlinkClick r:id="rId2"/>
-                </a:rPr>
-                <a:t>www.auto.ru</a:t>
-              </a:r>
-              <a:r>
-                <a:rPr lang="ru-RU" sz="1200" dirty="0" smtClean="0"/>
-                <a:t> (поиск автомобиля)</a:t>
-              </a:r>
-              <a:endParaRPr lang="ru-RU" sz="1200" dirty="0"/>
-            </a:p>
-          </p:txBody>
-        </p:sp>
-        <p:cxnSp>
-          <p:nvCxnSpPr>
-            <p:cNvPr id="12" name="Прямая со стрелкой 11"/>
-            <p:cNvCxnSpPr>
-              <a:stCxn id="10" idx="2"/>
-              <a:endCxn id="5" idx="0"/>
-            </p:cNvCxnSpPr>
-            <p:nvPr/>
-          </p:nvCxnSpPr>
-          <p:spPr>
-            <a:xfrm>
-              <a:off x="6696236" y="2356431"/>
-              <a:ext cx="0" cy="352489"/>
-            </a:xfrm>
-            <a:prstGeom prst="straightConnector1">
-              <a:avLst/>
-            </a:prstGeom>
-            <a:ln w="57150">
-              <a:solidFill>
-                <a:srgbClr val="002060"/>
-              </a:solidFill>
-              <a:tailEnd type="arrow"/>
-            </a:ln>
-          </p:spPr>
-          <p:style>
-            <a:lnRef idx="1">
-              <a:schemeClr val="accent1"/>
-            </a:lnRef>
-            <a:fillRef idx="0">
-              <a:schemeClr val="accent1"/>
-            </a:fillRef>
-            <a:effectRef idx="0">
-              <a:schemeClr val="accent1"/>
-            </a:effectRef>
-            <a:fontRef idx="minor">
-              <a:schemeClr val="tx1"/>
-            </a:fontRef>
-          </p:style>
-        </p:cxnSp>
-        <p:cxnSp>
-          <p:nvCxnSpPr>
-            <p:cNvPr id="16" name="Прямая со стрелкой 15"/>
-            <p:cNvCxnSpPr>
-              <a:stCxn id="5" idx="2"/>
-              <a:endCxn id="6" idx="0"/>
-            </p:cNvCxnSpPr>
-            <p:nvPr/>
-          </p:nvCxnSpPr>
-          <p:spPr>
-            <a:xfrm>
-              <a:off x="6696236" y="3170585"/>
-              <a:ext cx="0" cy="474439"/>
-            </a:xfrm>
-            <a:prstGeom prst="straightConnector1">
-              <a:avLst/>
-            </a:prstGeom>
-            <a:ln w="57150">
-              <a:solidFill>
-                <a:srgbClr val="002060"/>
-              </a:solidFill>
-              <a:tailEnd type="arrow"/>
-            </a:ln>
-          </p:spPr>
-          <p:style>
-            <a:lnRef idx="1">
-              <a:schemeClr val="accent1"/>
-            </a:lnRef>
-            <a:fillRef idx="0">
-              <a:schemeClr val="accent1"/>
-            </a:fillRef>
-            <a:effectRef idx="0">
-              <a:schemeClr val="accent1"/>
-            </a:effectRef>
-            <a:fontRef idx="minor">
-              <a:schemeClr val="tx1"/>
-            </a:fontRef>
-          </p:style>
-        </p:cxnSp>
-        <p:cxnSp>
-          <p:nvCxnSpPr>
-            <p:cNvPr id="19" name="Прямая со стрелкой 18"/>
-            <p:cNvCxnSpPr>
-              <a:stCxn id="6" idx="2"/>
-              <a:endCxn id="7" idx="0"/>
-            </p:cNvCxnSpPr>
-            <p:nvPr/>
-          </p:nvCxnSpPr>
-          <p:spPr>
-            <a:xfrm>
-              <a:off x="6696236" y="4106689"/>
-              <a:ext cx="0" cy="474439"/>
-            </a:xfrm>
-            <a:prstGeom prst="straightConnector1">
-              <a:avLst/>
-            </a:prstGeom>
-            <a:ln w="57150">
-              <a:solidFill>
-                <a:srgbClr val="002060"/>
-              </a:solidFill>
-              <a:tailEnd type="arrow"/>
-            </a:ln>
-          </p:spPr>
-          <p:style>
-            <a:lnRef idx="1">
-              <a:schemeClr val="accent1"/>
-            </a:lnRef>
-            <a:fillRef idx="0">
-              <a:schemeClr val="accent1"/>
-            </a:fillRef>
-            <a:effectRef idx="0">
-              <a:schemeClr val="accent1"/>
-            </a:effectRef>
-            <a:fontRef idx="minor">
-              <a:schemeClr val="tx1"/>
-            </a:fontRef>
-          </p:style>
-        </p:cxnSp>
-        <p:cxnSp>
-          <p:nvCxnSpPr>
-            <p:cNvPr id="22" name="Прямая со стрелкой 21"/>
-            <p:cNvCxnSpPr>
-              <a:stCxn id="7" idx="2"/>
-              <a:endCxn id="8" idx="0"/>
-            </p:cNvCxnSpPr>
-            <p:nvPr/>
-          </p:nvCxnSpPr>
-          <p:spPr>
-            <a:xfrm>
-              <a:off x="6696236" y="5042793"/>
-              <a:ext cx="0" cy="548188"/>
-            </a:xfrm>
-            <a:prstGeom prst="straightConnector1">
-              <a:avLst/>
-            </a:prstGeom>
-            <a:ln w="57150">
-              <a:solidFill>
-                <a:srgbClr val="002060"/>
-              </a:solidFill>
-              <a:tailEnd type="arrow"/>
-            </a:ln>
-          </p:spPr>
-          <p:style>
-            <a:lnRef idx="1">
-              <a:schemeClr val="accent1"/>
-            </a:lnRef>
-            <a:fillRef idx="0">
-              <a:schemeClr val="accent1"/>
-            </a:fillRef>
-            <a:effectRef idx="0">
-              <a:schemeClr val="accent1"/>
-            </a:effectRef>
-            <a:fontRef idx="minor">
-              <a:schemeClr val="tx1"/>
-            </a:fontRef>
-          </p:style>
-        </p:cxnSp>
-      </p:grpSp>
       <p:cxnSp>
         <p:nvCxnSpPr>
           <p:cNvPr id="29" name="Прямая соединительная линия 28"/>
@@ -3559,485 +3104,17 @@
           </a:fontRef>
         </p:style>
       </p:cxnSp>
-      <p:sp>
-        <p:nvSpPr>
-          <p:cNvPr id="30" name="Прямоугольник 29"/>
-          <p:cNvSpPr/>
-          <p:nvPr/>
-        </p:nvSpPr>
-        <p:spPr>
-          <a:xfrm>
-            <a:off x="251520" y="692696"/>
-            <a:ext cx="4248472" cy="5904656"/>
-          </a:xfrm>
-          <a:prstGeom prst="rect">
-            <a:avLst/>
-          </a:prstGeom>
-          <a:solidFill>
-            <a:schemeClr val="accent6">
-              <a:lumMod val="20000"/>
-              <a:lumOff val="80000"/>
-            </a:schemeClr>
-          </a:solidFill>
-          <a:ln>
-            <a:solidFill>
-              <a:schemeClr val="tx1"/>
-            </a:solidFill>
-          </a:ln>
-        </p:spPr>
-        <p:style>
-          <a:lnRef idx="2">
-            <a:schemeClr val="accent1">
-              <a:shade val="50000"/>
-            </a:schemeClr>
-          </a:lnRef>
-          <a:fillRef idx="1">
-            <a:schemeClr val="accent1"/>
-          </a:fillRef>
-          <a:effectRef idx="0">
-            <a:schemeClr val="accent1"/>
-          </a:effectRef>
-          <a:fontRef idx="minor">
-            <a:schemeClr val="lt1"/>
-          </a:fontRef>
-        </p:style>
-        <p:txBody>
-          <a:bodyPr rtlCol="0" anchor="t"/>
-          <a:lstStyle/>
-          <a:p>
-            <a:r>
-              <a:rPr lang="en-US" b="1" dirty="0" smtClean="0">
-                <a:solidFill>
-                  <a:schemeClr val="tx1"/>
-                </a:solidFill>
-              </a:rPr>
-              <a:t>Test case</a:t>
-            </a:r>
-          </a:p>
-          <a:p>
-            <a:r>
-              <a:rPr lang="en-US" sz="1400" b="1" dirty="0" smtClean="0">
-                <a:solidFill>
-                  <a:schemeClr val="tx1"/>
-                </a:solidFill>
-              </a:rPr>
-              <a:t>ID</a:t>
-            </a:r>
-            <a:r>
-              <a:rPr lang="en-US" sz="1400" dirty="0" smtClean="0">
-                <a:solidFill>
-                  <a:schemeClr val="tx1"/>
-                </a:solidFill>
-              </a:rPr>
-              <a:t>: TEST CASE 1</a:t>
-            </a:r>
-          </a:p>
-          <a:p>
-            <a:r>
-              <a:rPr lang="ru-RU" sz="1400" b="1" dirty="0" smtClean="0">
-                <a:solidFill>
-                  <a:schemeClr val="tx1"/>
-                </a:solidFill>
-              </a:rPr>
-              <a:t>Название:</a:t>
-            </a:r>
-          </a:p>
-          <a:p>
-            <a:r>
-              <a:rPr lang="ru-RU" sz="1400" dirty="0" smtClean="0">
-                <a:solidFill>
-                  <a:schemeClr val="tx1"/>
-                </a:solidFill>
-              </a:rPr>
-              <a:t>Тестирование поиска по параметрам на сайте продажи автомобилей</a:t>
-            </a:r>
-          </a:p>
-          <a:p>
-            <a:r>
-              <a:rPr lang="ru-RU" sz="1400" b="1" dirty="0" smtClean="0">
-                <a:solidFill>
-                  <a:schemeClr val="tx1"/>
-                </a:solidFill>
-              </a:rPr>
-              <a:t>Описание:</a:t>
-            </a:r>
-          </a:p>
-          <a:p>
-            <a:r>
-              <a:rPr lang="ru-RU" sz="1400" dirty="0" smtClean="0">
-                <a:solidFill>
-                  <a:schemeClr val="tx1"/>
-                </a:solidFill>
-              </a:rPr>
-              <a:t>Данный тест проверяет корректность работы системы поиска на примере автомобиля: </a:t>
-            </a:r>
-          </a:p>
-          <a:p>
-            <a:r>
-              <a:rPr lang="ru-RU" sz="1400" dirty="0" smtClean="0">
-                <a:solidFill>
-                  <a:schemeClr val="tx1"/>
-                </a:solidFill>
-              </a:rPr>
-              <a:t>«</a:t>
-            </a:r>
-            <a:r>
-              <a:rPr lang="en-US" sz="1400" dirty="0" smtClean="0">
-                <a:solidFill>
-                  <a:schemeClr val="tx1"/>
-                </a:solidFill>
-              </a:rPr>
-              <a:t>Jeep, Cherokee, </a:t>
-            </a:r>
-            <a:r>
-              <a:rPr lang="ru-RU" sz="1400" dirty="0" smtClean="0">
-                <a:solidFill>
-                  <a:schemeClr val="tx1"/>
-                </a:solidFill>
-              </a:rPr>
-              <a:t>полный привод, пробег: 30-100тыс.км»</a:t>
-            </a:r>
-          </a:p>
-          <a:p>
-            <a:r>
-              <a:rPr lang="ru-RU" sz="1400" dirty="0" smtClean="0">
-                <a:solidFill>
-                  <a:schemeClr val="tx1"/>
-                </a:solidFill>
-              </a:rPr>
-              <a:t>Во время поиска проверяются объявления о продаже автомобилей с выбранными параметрами</a:t>
-            </a:r>
-          </a:p>
-          <a:p>
-            <a:r>
-              <a:rPr lang="ru-RU" sz="1400" b="1" dirty="0" smtClean="0">
-                <a:solidFill>
-                  <a:schemeClr val="tx1"/>
-                </a:solidFill>
-              </a:rPr>
-              <a:t>Условия:</a:t>
-            </a:r>
-          </a:p>
-          <a:p>
-            <a:r>
-              <a:rPr lang="ru-RU" sz="1400" dirty="0" smtClean="0">
-                <a:solidFill>
-                  <a:schemeClr val="tx1"/>
-                </a:solidFill>
-              </a:rPr>
-              <a:t>Применяются веб браузеры </a:t>
-            </a:r>
-            <a:r>
-              <a:rPr lang="en-US" sz="1400" dirty="0" smtClean="0">
-                <a:solidFill>
-                  <a:schemeClr val="tx1"/>
-                </a:solidFill>
-              </a:rPr>
-              <a:t>Firefox, Chrome, Opera, Internet Explorer, Safari.</a:t>
-            </a:r>
-          </a:p>
-          <a:p>
-            <a:r>
-              <a:rPr lang="ru-RU" sz="1400" dirty="0" smtClean="0">
-                <a:solidFill>
-                  <a:schemeClr val="tx1"/>
-                </a:solidFill>
-              </a:rPr>
-              <a:t>Платформа </a:t>
-            </a:r>
-            <a:r>
-              <a:rPr lang="en-US" sz="1400" dirty="0" smtClean="0">
-                <a:solidFill>
-                  <a:schemeClr val="tx1"/>
-                </a:solidFill>
-              </a:rPr>
-              <a:t>Windows10.</a:t>
-            </a:r>
-          </a:p>
-          <a:p>
-            <a:r>
-              <a:rPr lang="ru-RU" sz="1400" b="1" dirty="0" smtClean="0">
-                <a:solidFill>
-                  <a:schemeClr val="tx1"/>
-                </a:solidFill>
-              </a:rPr>
-              <a:t>Шаги:</a:t>
-            </a:r>
-          </a:p>
-          <a:p>
-            <a:pPr marL="285750" indent="-285750">
-              <a:buFontTx/>
-              <a:buChar char="-"/>
-            </a:pPr>
-            <a:r>
-              <a:rPr lang="ru-RU" sz="1400" dirty="0" smtClean="0">
-                <a:solidFill>
-                  <a:schemeClr val="tx1"/>
-                </a:solidFill>
-              </a:rPr>
-              <a:t>Переходим на страницу </a:t>
-            </a:r>
-            <a:r>
-              <a:rPr lang="en-US" sz="1400" dirty="0">
-                <a:solidFill>
-                  <a:schemeClr val="tx1"/>
-                </a:solidFill>
-                <a:hlinkClick r:id="rId2"/>
-              </a:rPr>
-              <a:t>http://</a:t>
-            </a:r>
-            <a:r>
-              <a:rPr lang="en-US" sz="1400" dirty="0" smtClean="0">
-                <a:solidFill>
-                  <a:schemeClr val="tx1"/>
-                </a:solidFill>
-                <a:hlinkClick r:id="rId2"/>
-              </a:rPr>
-              <a:t>www.auto.ru</a:t>
-            </a:r>
-            <a:r>
-              <a:rPr lang="ru-RU" sz="1400" dirty="0" smtClean="0">
-                <a:solidFill>
-                  <a:schemeClr val="tx1"/>
-                </a:solidFill>
-              </a:rPr>
-              <a:t>;</a:t>
-            </a:r>
-            <a:endParaRPr lang="ru-RU" sz="1400" dirty="0" smtClean="0">
-              <a:solidFill>
-                <a:schemeClr val="tx1"/>
-              </a:solidFill>
-            </a:endParaRPr>
-          </a:p>
-          <a:p>
-            <a:pPr marL="285750" indent="-285750">
-              <a:buFontTx/>
-              <a:buChar char="-"/>
-            </a:pPr>
-            <a:r>
-              <a:rPr lang="ru-RU" sz="1400" dirty="0" smtClean="0">
-                <a:solidFill>
-                  <a:schemeClr val="tx1"/>
-                </a:solidFill>
-              </a:rPr>
-              <a:t>Вводим в поле марка: </a:t>
-            </a:r>
-            <a:r>
-              <a:rPr lang="en-US" sz="1400" dirty="0" smtClean="0">
-                <a:solidFill>
-                  <a:schemeClr val="tx1"/>
-                </a:solidFill>
-              </a:rPr>
-              <a:t>Jeep</a:t>
-            </a:r>
-            <a:r>
-              <a:rPr lang="ru-RU" sz="1400" dirty="0" smtClean="0">
-                <a:solidFill>
-                  <a:schemeClr val="tx1"/>
-                </a:solidFill>
-              </a:rPr>
-              <a:t>;</a:t>
-            </a:r>
-            <a:endParaRPr lang="en-US" sz="1400" dirty="0" smtClean="0">
-              <a:solidFill>
-                <a:schemeClr val="tx1"/>
-              </a:solidFill>
-            </a:endParaRPr>
-          </a:p>
-          <a:p>
-            <a:pPr marL="285750" indent="-285750">
-              <a:buFontTx/>
-              <a:buChar char="-"/>
-            </a:pPr>
-            <a:r>
-              <a:rPr lang="ru-RU" sz="1400" dirty="0" smtClean="0">
-                <a:solidFill>
-                  <a:schemeClr val="tx1"/>
-                </a:solidFill>
-              </a:rPr>
-              <a:t>Вводим в поле модель: </a:t>
-            </a:r>
-            <a:r>
-              <a:rPr lang="en-US" sz="1400" dirty="0" smtClean="0">
-                <a:solidFill>
-                  <a:schemeClr val="tx1"/>
-                </a:solidFill>
-              </a:rPr>
-              <a:t>Cherokee</a:t>
-            </a:r>
-            <a:r>
-              <a:rPr lang="ru-RU" sz="1400" dirty="0" smtClean="0">
-                <a:solidFill>
-                  <a:schemeClr val="tx1"/>
-                </a:solidFill>
-              </a:rPr>
-              <a:t>;</a:t>
-            </a:r>
-            <a:endParaRPr lang="en-US" sz="1400" dirty="0" smtClean="0">
-              <a:solidFill>
-                <a:schemeClr val="tx1"/>
-              </a:solidFill>
-            </a:endParaRPr>
-          </a:p>
-          <a:p>
-            <a:pPr marL="285750" indent="-285750">
-              <a:buFontTx/>
-              <a:buChar char="-"/>
-            </a:pPr>
-            <a:r>
-              <a:rPr lang="ru-RU" sz="1400" dirty="0" smtClean="0">
-                <a:solidFill>
-                  <a:schemeClr val="tx1"/>
-                </a:solidFill>
-              </a:rPr>
-              <a:t>Вводим в поле привод: полный привод;</a:t>
-            </a:r>
-          </a:p>
-          <a:p>
-            <a:pPr marL="285750" indent="-285750">
-              <a:buFontTx/>
-              <a:buChar char="-"/>
-            </a:pPr>
-            <a:r>
-              <a:rPr lang="ru-RU" sz="1400" dirty="0" smtClean="0">
-                <a:solidFill>
-                  <a:schemeClr val="tx1"/>
-                </a:solidFill>
-              </a:rPr>
-              <a:t>Вводим в поле пробег от: 30000 до: 100000;</a:t>
-            </a:r>
-          </a:p>
-          <a:p>
-            <a:pPr marL="285750" indent="-285750">
-              <a:buFontTx/>
-              <a:buChar char="-"/>
-            </a:pPr>
-            <a:r>
-              <a:rPr lang="ru-RU" sz="1400" dirty="0" smtClean="0">
-                <a:solidFill>
-                  <a:schemeClr val="tx1"/>
-                </a:solidFill>
-              </a:rPr>
-              <a:t>Проверяем результат поиска.</a:t>
-            </a:r>
-          </a:p>
-          <a:p>
-            <a:pPr marL="285750" indent="-285750">
-              <a:buFontTx/>
-              <a:buChar char="-"/>
-            </a:pPr>
-            <a:r>
-              <a:rPr lang="ru-RU" sz="1400" dirty="0" smtClean="0">
-                <a:solidFill>
-                  <a:schemeClr val="tx1"/>
-                </a:solidFill>
-              </a:rPr>
-              <a:t>Переходим по ссылкам на объявления</a:t>
-            </a:r>
-          </a:p>
-          <a:p>
-            <a:pPr marL="285750" indent="-285750">
-              <a:buFontTx/>
-              <a:buChar char="-"/>
-            </a:pPr>
-            <a:r>
-              <a:rPr lang="ru-RU" sz="1400" dirty="0" smtClean="0">
-                <a:solidFill>
-                  <a:schemeClr val="tx1"/>
-                </a:solidFill>
-              </a:rPr>
-              <a:t>Проверяем параметры в описании</a:t>
-            </a:r>
-            <a:endParaRPr lang="en-US" sz="1400" dirty="0" smtClean="0">
-              <a:solidFill>
-                <a:schemeClr val="tx1"/>
-              </a:solidFill>
-            </a:endParaRPr>
-          </a:p>
-          <a:p>
-            <a:endParaRPr lang="ru-RU" b="1" dirty="0">
-              <a:solidFill>
-                <a:schemeClr val="tx1"/>
-              </a:solidFill>
-            </a:endParaRPr>
-          </a:p>
-        </p:txBody>
-      </p:sp>
-    </p:spTree>
-    <p:extLst>
-      <p:ext uri="{BB962C8B-B14F-4D97-AF65-F5344CB8AC3E}">
-        <p14:creationId xmlns:p14="http://schemas.microsoft.com/office/powerpoint/2010/main" val="3604172462"/>
-      </p:ext>
-    </p:extLst>
-  </p:cSld>
-  <p:clrMapOvr>
-    <a:masterClrMapping/>
-  </p:clrMapOvr>
-</p:sld>
-</file>
-
-<file path=ppt/slides/slide2.xml><?xml version="1.0" encoding="utf-8"?>
-<p:sld xmlns:a="http://schemas.openxmlformats.org/drawingml/2006/main" xmlns:r="http://schemas.openxmlformats.org/officeDocument/2006/relationships" xmlns:p="http://schemas.openxmlformats.org/presentationml/2006/main">
-  <p:cSld>
-    <p:spTree>
-      <p:nvGrpSpPr>
-        <p:cNvPr id="1" name=""/>
-        <p:cNvGrpSpPr/>
-        <p:nvPr/>
-      </p:nvGrpSpPr>
-      <p:grpSpPr>
-        <a:xfrm>
-          <a:off x="0" y="0"/>
-          <a:ext cx="0" cy="0"/>
-          <a:chOff x="0" y="0"/>
-          <a:chExt cx="0" cy="0"/>
-        </a:xfrm>
-      </p:grpSpPr>
-      <p:sp>
-        <p:nvSpPr>
-          <p:cNvPr id="2" name="Заголовок 1"/>
-          <p:cNvSpPr>
-            <a:spLocks noGrp="1"/>
-          </p:cNvSpPr>
-          <p:nvPr>
-            <p:ph type="ctrTitle"/>
-          </p:nvPr>
-        </p:nvSpPr>
-        <p:spPr>
-          <a:xfrm>
-            <a:off x="611560" y="-27384"/>
-            <a:ext cx="7772400" cy="504056"/>
-          </a:xfrm>
-        </p:spPr>
-        <p:txBody>
-          <a:bodyPr>
-            <a:normAutofit fontScale="90000"/>
-          </a:bodyPr>
-          <a:lstStyle/>
-          <a:p>
-            <a:r>
-              <a:rPr lang="ru-RU" sz="3200" dirty="0" smtClean="0"/>
-              <a:t>Тест сайта </a:t>
-            </a:r>
-            <a:r>
-              <a:rPr lang="en-US" sz="3200" dirty="0" smtClean="0"/>
-              <a:t>http://www.auto.ru.</a:t>
-            </a:r>
-            <a:endParaRPr lang="ru-RU" sz="3200" dirty="0"/>
-          </a:p>
-        </p:txBody>
-      </p:sp>
       <p:grpSp>
         <p:nvGrpSpPr>
-          <p:cNvPr id="31" name="Группа 30"/>
+          <p:cNvPr id="3" name="Группа 2"/>
           <p:cNvGrpSpPr/>
           <p:nvPr/>
         </p:nvGrpSpPr>
         <p:grpSpPr>
           <a:xfrm>
-            <a:off x="4644008" y="692696"/>
-            <a:ext cx="4248472" cy="5904656"/>
-            <a:chOff x="4716016" y="692696"/>
+            <a:off x="251520" y="692696"/>
+            <a:ext cx="8640960" cy="5904656"/>
+            <a:chOff x="4644008" y="692696"/>
             <a:chExt cx="4248472" cy="5904656"/>
           </a:xfrm>
         </p:grpSpPr>
@@ -4049,7 +3126,7 @@
           </p:nvSpPr>
           <p:spPr>
             <a:xfrm>
-              <a:off x="4716016" y="692696"/>
+              <a:off x="4644008" y="692696"/>
               <a:ext cx="4248472" cy="5904656"/>
             </a:xfrm>
             <a:prstGeom prst="rect">
@@ -4093,107 +3170,9 @@
                     <a:prstClr val="black"/>
                   </a:solidFill>
                 </a:rPr>
-                <a:t>Mind map</a:t>
+                <a:t>Functional mind map</a:t>
               </a:r>
               <a:endParaRPr lang="ru-RU" b="1" dirty="0">
-                <a:solidFill>
-                  <a:prstClr val="black"/>
-                </a:solidFill>
-              </a:endParaRPr>
-            </a:p>
-          </p:txBody>
-        </p:sp>
-        <p:sp>
-          <p:nvSpPr>
-            <p:cNvPr id="5" name="TextBox 4"/>
-            <p:cNvSpPr txBox="1"/>
-            <p:nvPr/>
-          </p:nvSpPr>
-          <p:spPr>
-            <a:xfrm>
-              <a:off x="6084168" y="3039343"/>
-              <a:ext cx="1512168" cy="461665"/>
-            </a:xfrm>
-            <a:prstGeom prst="rect">
-              <a:avLst/>
-            </a:prstGeom>
-            <a:solidFill>
-              <a:schemeClr val="accent3">
-                <a:lumMod val="60000"/>
-                <a:lumOff val="40000"/>
-              </a:schemeClr>
-            </a:solidFill>
-            <a:ln>
-              <a:solidFill>
-                <a:schemeClr val="tx1"/>
-              </a:solidFill>
-            </a:ln>
-          </p:spPr>
-          <p:txBody>
-            <a:bodyPr wrap="square" rtlCol="0" anchor="ctr">
-              <a:spAutoFit/>
-            </a:bodyPr>
-            <a:lstStyle/>
-            <a:p>
-              <a:pPr algn="ctr"/>
-              <a:r>
-                <a:rPr lang="ru-RU" sz="1200" dirty="0" smtClean="0">
-                  <a:solidFill>
-                    <a:prstClr val="black"/>
-                  </a:solidFill>
-                </a:rPr>
-                <a:t>Загрузка сайта из разных браузеров</a:t>
-              </a:r>
-              <a:endParaRPr lang="ru-RU" sz="1200" dirty="0">
-                <a:solidFill>
-                  <a:prstClr val="black"/>
-                </a:solidFill>
-              </a:endParaRPr>
-            </a:p>
-          </p:txBody>
-        </p:sp>
-        <p:sp>
-          <p:nvSpPr>
-            <p:cNvPr id="6" name="TextBox 5"/>
-            <p:cNvSpPr txBox="1"/>
-            <p:nvPr/>
-          </p:nvSpPr>
-          <p:spPr>
-            <a:xfrm>
-              <a:off x="6084168" y="5415607"/>
-              <a:ext cx="1512168" cy="461665"/>
-            </a:xfrm>
-            <a:prstGeom prst="rect">
-              <a:avLst/>
-            </a:prstGeom>
-            <a:solidFill>
-              <a:schemeClr val="accent3">
-                <a:lumMod val="60000"/>
-                <a:lumOff val="40000"/>
-              </a:schemeClr>
-            </a:solidFill>
-            <a:ln>
-              <a:solidFill>
-                <a:schemeClr val="tx1"/>
-              </a:solidFill>
-            </a:ln>
-          </p:spPr>
-          <p:txBody>
-            <a:bodyPr wrap="square" rtlCol="0" anchor="ctr">
-              <a:spAutoFit/>
-            </a:bodyPr>
-            <a:lstStyle/>
-            <a:p>
-              <a:pPr algn="ctr"/>
-              <a:r>
-                <a:rPr lang="ru-RU" sz="1200" dirty="0" smtClean="0">
-                  <a:solidFill>
-                    <a:prstClr val="black"/>
-                  </a:solidFill>
-                </a:rPr>
-                <a:t>Выбор марки автомобиля</a:t>
-              </a:r>
-              <a:endParaRPr lang="ru-RU" sz="1200" dirty="0">
                 <a:solidFill>
                   <a:prstClr val="black"/>
                 </a:solidFill>
@@ -4209,7 +3188,7 @@
           </p:nvSpPr>
           <p:spPr>
             <a:xfrm>
-              <a:off x="6084168" y="4149080"/>
+              <a:off x="6813849" y="3133417"/>
               <a:ext cx="1512168" cy="461665"/>
             </a:xfrm>
             <a:prstGeom prst="rect">
@@ -4258,7 +3237,7 @@
           </p:nvSpPr>
           <p:spPr>
             <a:xfrm>
-              <a:off x="6084168" y="1268760"/>
+              <a:off x="6012160" y="1052736"/>
               <a:ext cx="1512168" cy="1015663"/>
             </a:xfrm>
             <a:prstGeom prst="rect">
@@ -4329,15 +3308,15 @@
           <p:nvCxnSpPr>
             <p:cNvPr id="12" name="Прямая со стрелкой 11"/>
             <p:cNvCxnSpPr>
-              <a:stCxn id="10" idx="2"/>
-              <a:endCxn id="5" idx="0"/>
+              <a:stCxn id="35" idx="2"/>
+              <a:endCxn id="9" idx="0"/>
             </p:cNvCxnSpPr>
             <p:nvPr/>
           </p:nvCxnSpPr>
           <p:spPr>
             <a:xfrm>
-              <a:off x="6840252" y="2284423"/>
-              <a:ext cx="0" cy="754920"/>
+              <a:off x="6768244" y="2708920"/>
+              <a:ext cx="801689" cy="424497"/>
             </a:xfrm>
             <a:prstGeom prst="straightConnector1">
               <a:avLst/>
@@ -4364,19 +3343,92 @@
             </a:fontRef>
           </p:style>
         </p:cxnSp>
+        <p:sp>
+          <p:nvSpPr>
+            <p:cNvPr id="15" name="TextBox 14"/>
+            <p:cNvSpPr txBox="1"/>
+            <p:nvPr/>
+          </p:nvSpPr>
+          <p:spPr>
+            <a:xfrm>
+              <a:off x="6813849" y="4255928"/>
+              <a:ext cx="1512168" cy="276999"/>
+            </a:xfrm>
+            <a:prstGeom prst="rect">
+              <a:avLst/>
+            </a:prstGeom>
+            <a:solidFill>
+              <a:schemeClr val="accent3">
+                <a:lumMod val="60000"/>
+                <a:lumOff val="40000"/>
+              </a:schemeClr>
+            </a:solidFill>
+            <a:ln>
+              <a:solidFill>
+                <a:schemeClr val="tx1"/>
+              </a:solidFill>
+            </a:ln>
+          </p:spPr>
+          <p:txBody>
+            <a:bodyPr wrap="square" rtlCol="0" anchor="ctr">
+              <a:spAutoFit/>
+            </a:bodyPr>
+            <a:lstStyle/>
+            <a:p>
+              <a:pPr algn="ctr"/>
+              <a:r>
+                <a:rPr lang="ru-RU" sz="1200" dirty="0" smtClean="0">
+                  <a:solidFill>
+                    <a:prstClr val="black"/>
+                  </a:solidFill>
+                </a:rPr>
+                <a:t>Поиск автомобиля </a:t>
+              </a:r>
+              <a:r>
+                <a:rPr lang="ru-RU" sz="1200" dirty="0" smtClean="0">
+                  <a:solidFill>
+                    <a:prstClr val="black"/>
+                  </a:solidFill>
+                </a:rPr>
+                <a:t>марки «</a:t>
+              </a:r>
+              <a:r>
+                <a:rPr lang="en-US" sz="1200" smtClean="0">
+                  <a:solidFill>
+                    <a:prstClr val="black"/>
+                  </a:solidFill>
+                </a:rPr>
+                <a:t>Lexus</a:t>
+              </a:r>
+              <a:r>
+                <a:rPr lang="ru-RU" sz="1200" smtClean="0">
+                  <a:solidFill>
+                    <a:prstClr val="black"/>
+                  </a:solidFill>
+                </a:rPr>
+                <a:t>»</a:t>
+              </a:r>
+              <a:endParaRPr lang="ru-RU" sz="1200" dirty="0">
+                <a:solidFill>
+                  <a:prstClr val="black"/>
+                </a:solidFill>
+              </a:endParaRPr>
+            </a:p>
+          </p:txBody>
+        </p:sp>
         <p:cxnSp>
           <p:nvCxnSpPr>
-            <p:cNvPr id="13" name="Прямая со стрелкой 12"/>
+            <p:cNvPr id="17" name="Прямая со стрелкой 16"/>
             <p:cNvCxnSpPr>
-              <a:stCxn id="5" idx="2"/>
-              <a:endCxn id="9" idx="0"/>
+              <a:stCxn id="9" idx="2"/>
+              <a:endCxn id="15" idx="0"/>
             </p:cNvCxnSpPr>
             <p:nvPr/>
           </p:nvCxnSpPr>
           <p:spPr>
             <a:xfrm>
-              <a:off x="6840252" y="3501008"/>
-              <a:ext cx="0" cy="648072"/>
+              <a:off x="7569933" y="3595082"/>
+              <a:ext cx="0" cy="660846"/>
             </a:xfrm>
             <a:prstGeom prst="straightConnector1">
               <a:avLst/>
@@ -4403,19 +3455,436 @@
             </a:fontRef>
           </p:style>
         </p:cxnSp>
+        <p:sp>
+          <p:nvSpPr>
+            <p:cNvPr id="18" name="TextBox 17"/>
+            <p:cNvSpPr txBox="1"/>
+            <p:nvPr/>
+          </p:nvSpPr>
+          <p:spPr>
+            <a:xfrm>
+              <a:off x="4716016" y="3133417"/>
+              <a:ext cx="1152128" cy="461665"/>
+            </a:xfrm>
+            <a:prstGeom prst="rect">
+              <a:avLst/>
+            </a:prstGeom>
+            <a:solidFill>
+              <a:schemeClr val="accent3">
+                <a:lumMod val="60000"/>
+                <a:lumOff val="40000"/>
+              </a:schemeClr>
+            </a:solidFill>
+            <a:ln>
+              <a:solidFill>
+                <a:schemeClr val="tx1"/>
+              </a:solidFill>
+            </a:ln>
+          </p:spPr>
+          <p:txBody>
+            <a:bodyPr wrap="square" rtlCol="0" anchor="ctr">
+              <a:spAutoFit/>
+            </a:bodyPr>
+            <a:lstStyle/>
+            <a:p>
+              <a:pPr algn="ctr"/>
+              <a:r>
+                <a:rPr lang="ru-RU" sz="1200" dirty="0" smtClean="0">
+                  <a:solidFill>
+                    <a:prstClr val="black"/>
+                  </a:solidFill>
+                </a:rPr>
+                <a:t>Поиск нового автомобиля</a:t>
+              </a:r>
+              <a:endParaRPr lang="ru-RU" sz="1200" dirty="0">
+                <a:solidFill>
+                  <a:prstClr val="black"/>
+                </a:solidFill>
+              </a:endParaRPr>
+            </a:p>
+          </p:txBody>
+        </p:sp>
         <p:cxnSp>
           <p:nvCxnSpPr>
-            <p:cNvPr id="16" name="Прямая со стрелкой 15"/>
+            <p:cNvPr id="19" name="Прямая со стрелкой 18"/>
             <p:cNvCxnSpPr>
-              <a:stCxn id="9" idx="2"/>
-              <a:endCxn id="6" idx="0"/>
+              <a:stCxn id="35" idx="2"/>
+              <a:endCxn id="18" idx="0"/>
+            </p:cNvCxnSpPr>
+            <p:nvPr/>
+          </p:nvCxnSpPr>
+          <p:spPr>
+            <a:xfrm flipH="1">
+              <a:off x="5292080" y="2708920"/>
+              <a:ext cx="1476164" cy="424497"/>
+            </a:xfrm>
+            <a:prstGeom prst="straightConnector1">
+              <a:avLst/>
+            </a:prstGeom>
+            <a:ln w="57150">
+              <a:solidFill>
+                <a:srgbClr val="002060"/>
+              </a:solidFill>
+              <a:tailEnd type="arrow"/>
+            </a:ln>
+          </p:spPr>
+          <p:style>
+            <a:lnRef idx="1">
+              <a:schemeClr val="accent1"/>
+            </a:lnRef>
+            <a:fillRef idx="0">
+              <a:schemeClr val="accent1"/>
+            </a:fillRef>
+            <a:effectRef idx="0">
+              <a:schemeClr val="accent1"/>
+            </a:effectRef>
+            <a:fontRef idx="minor">
+              <a:schemeClr val="tx1"/>
+            </a:fontRef>
+          </p:style>
+        </p:cxnSp>
+        <p:sp>
+          <p:nvSpPr>
+            <p:cNvPr id="22" name="TextBox 21"/>
+            <p:cNvSpPr txBox="1"/>
+            <p:nvPr/>
+          </p:nvSpPr>
+          <p:spPr>
+            <a:xfrm>
+              <a:off x="4716016" y="4071262"/>
+              <a:ext cx="1224136" cy="646331"/>
+            </a:xfrm>
+            <a:prstGeom prst="rect">
+              <a:avLst/>
+            </a:prstGeom>
+            <a:solidFill>
+              <a:schemeClr val="accent3">
+                <a:lumMod val="60000"/>
+                <a:lumOff val="40000"/>
+              </a:schemeClr>
+            </a:solidFill>
+            <a:ln>
+              <a:solidFill>
+                <a:schemeClr val="tx1"/>
+              </a:solidFill>
+            </a:ln>
+          </p:spPr>
+          <p:txBody>
+            <a:bodyPr wrap="square" rtlCol="0" anchor="ctr">
+              <a:spAutoFit/>
+            </a:bodyPr>
+            <a:lstStyle/>
+            <a:p>
+              <a:pPr algn="ctr"/>
+              <a:r>
+                <a:rPr lang="ru-RU" sz="1200" dirty="0" smtClean="0">
+                  <a:solidFill>
+                    <a:prstClr val="black"/>
+                  </a:solidFill>
+                </a:rPr>
+                <a:t>Поиск автомобиля марки «</a:t>
+              </a:r>
+              <a:r>
+                <a:rPr lang="en-US" sz="1200" dirty="0" smtClean="0">
+                  <a:solidFill>
+                    <a:prstClr val="black"/>
+                  </a:solidFill>
+                </a:rPr>
+                <a:t>Jeep</a:t>
+              </a:r>
+              <a:r>
+                <a:rPr lang="ru-RU" sz="1200" dirty="0" smtClean="0">
+                  <a:solidFill>
+                    <a:prstClr val="black"/>
+                  </a:solidFill>
+                </a:rPr>
+                <a:t>»</a:t>
+              </a:r>
+              <a:endParaRPr lang="ru-RU" sz="1200" dirty="0">
+                <a:solidFill>
+                  <a:prstClr val="black"/>
+                </a:solidFill>
+              </a:endParaRPr>
+            </a:p>
+          </p:txBody>
+        </p:sp>
+        <p:cxnSp>
+          <p:nvCxnSpPr>
+            <p:cNvPr id="23" name="Прямая со стрелкой 22"/>
+            <p:cNvCxnSpPr>
+              <a:stCxn id="18" idx="2"/>
+              <a:endCxn id="22" idx="0"/>
             </p:cNvCxnSpPr>
             <p:nvPr/>
           </p:nvCxnSpPr>
           <p:spPr>
             <a:xfrm>
-              <a:off x="6840252" y="4610745"/>
-              <a:ext cx="0" cy="804862"/>
+              <a:off x="5292080" y="3595082"/>
+              <a:ext cx="36004" cy="476180"/>
+            </a:xfrm>
+            <a:prstGeom prst="straightConnector1">
+              <a:avLst/>
+            </a:prstGeom>
+            <a:ln w="57150">
+              <a:solidFill>
+                <a:srgbClr val="002060"/>
+              </a:solidFill>
+              <a:tailEnd type="arrow"/>
+            </a:ln>
+          </p:spPr>
+          <p:style>
+            <a:lnRef idx="1">
+              <a:schemeClr val="accent1"/>
+            </a:lnRef>
+            <a:fillRef idx="0">
+              <a:schemeClr val="accent1"/>
+            </a:fillRef>
+            <a:effectRef idx="0">
+              <a:schemeClr val="accent1"/>
+            </a:effectRef>
+            <a:fontRef idx="minor">
+              <a:schemeClr val="tx1"/>
+            </a:fontRef>
+          </p:style>
+        </p:cxnSp>
+        <p:sp>
+          <p:nvSpPr>
+            <p:cNvPr id="35" name="TextBox 34"/>
+            <p:cNvSpPr txBox="1"/>
+            <p:nvPr/>
+          </p:nvSpPr>
+          <p:spPr>
+            <a:xfrm>
+              <a:off x="6012160" y="2431921"/>
+              <a:ext cx="1512168" cy="276999"/>
+            </a:xfrm>
+            <a:prstGeom prst="rect">
+              <a:avLst/>
+            </a:prstGeom>
+            <a:solidFill>
+              <a:schemeClr val="accent3">
+                <a:lumMod val="60000"/>
+                <a:lumOff val="40000"/>
+              </a:schemeClr>
+            </a:solidFill>
+            <a:ln>
+              <a:solidFill>
+                <a:schemeClr val="tx1"/>
+              </a:solidFill>
+            </a:ln>
+          </p:spPr>
+          <p:txBody>
+            <a:bodyPr wrap="square" rtlCol="0" anchor="ctr">
+              <a:spAutoFit/>
+            </a:bodyPr>
+            <a:lstStyle/>
+            <a:p>
+              <a:pPr algn="ctr"/>
+              <a:r>
+                <a:rPr lang="ru-RU" sz="1200" dirty="0" smtClean="0">
+                  <a:solidFill>
+                    <a:prstClr val="black"/>
+                  </a:solidFill>
+                </a:rPr>
+                <a:t>Легковые</a:t>
+              </a:r>
+              <a:endParaRPr lang="ru-RU" sz="1200" dirty="0">
+                <a:solidFill>
+                  <a:prstClr val="black"/>
+                </a:solidFill>
+              </a:endParaRPr>
+            </a:p>
+          </p:txBody>
+        </p:sp>
+        <p:cxnSp>
+          <p:nvCxnSpPr>
+            <p:cNvPr id="39" name="Прямая со стрелкой 38"/>
+            <p:cNvCxnSpPr>
+              <a:stCxn id="10" idx="2"/>
+              <a:endCxn id="35" idx="0"/>
+            </p:cNvCxnSpPr>
+            <p:nvPr/>
+          </p:nvCxnSpPr>
+          <p:spPr>
+            <a:xfrm>
+              <a:off x="6768244" y="2068399"/>
+              <a:ext cx="0" cy="363522"/>
+            </a:xfrm>
+            <a:prstGeom prst="straightConnector1">
+              <a:avLst/>
+            </a:prstGeom>
+            <a:ln w="57150">
+              <a:solidFill>
+                <a:srgbClr val="002060"/>
+              </a:solidFill>
+              <a:tailEnd type="arrow"/>
+            </a:ln>
+          </p:spPr>
+          <p:style>
+            <a:lnRef idx="1">
+              <a:schemeClr val="accent1"/>
+            </a:lnRef>
+            <a:fillRef idx="0">
+              <a:schemeClr val="accent1"/>
+            </a:fillRef>
+            <a:effectRef idx="0">
+              <a:schemeClr val="accent1"/>
+            </a:effectRef>
+            <a:fontRef idx="minor">
+              <a:schemeClr val="tx1"/>
+            </a:fontRef>
+          </p:style>
+        </p:cxnSp>
+        <p:sp>
+          <p:nvSpPr>
+            <p:cNvPr id="42" name="TextBox 41"/>
+            <p:cNvSpPr txBox="1"/>
+            <p:nvPr/>
+          </p:nvSpPr>
+          <p:spPr>
+            <a:xfrm>
+              <a:off x="7596336" y="2431921"/>
+              <a:ext cx="1008112" cy="276999"/>
+            </a:xfrm>
+            <a:prstGeom prst="rect">
+              <a:avLst/>
+            </a:prstGeom>
+            <a:solidFill>
+              <a:schemeClr val="accent3">
+                <a:lumMod val="60000"/>
+                <a:lumOff val="40000"/>
+              </a:schemeClr>
+            </a:solidFill>
+            <a:ln>
+              <a:solidFill>
+                <a:schemeClr val="tx1"/>
+              </a:solidFill>
+            </a:ln>
+          </p:spPr>
+          <p:txBody>
+            <a:bodyPr wrap="square" rtlCol="0" anchor="ctr">
+              <a:spAutoFit/>
+            </a:bodyPr>
+            <a:lstStyle/>
+            <a:p>
+              <a:pPr algn="ctr"/>
+              <a:r>
+                <a:rPr lang="ru-RU" sz="1200" dirty="0" err="1" smtClean="0">
+                  <a:solidFill>
+                    <a:prstClr val="black"/>
+                  </a:solidFill>
+                </a:rPr>
+                <a:t>Мото</a:t>
+              </a:r>
+              <a:endParaRPr lang="ru-RU" sz="1200" dirty="0">
+                <a:solidFill>
+                  <a:prstClr val="black"/>
+                </a:solidFill>
+              </a:endParaRPr>
+            </a:p>
+          </p:txBody>
+        </p:sp>
+        <p:cxnSp>
+          <p:nvCxnSpPr>
+            <p:cNvPr id="43" name="Прямая со стрелкой 42"/>
+            <p:cNvCxnSpPr>
+              <a:stCxn id="10" idx="2"/>
+              <a:endCxn id="42" idx="0"/>
+            </p:cNvCxnSpPr>
+            <p:nvPr/>
+          </p:nvCxnSpPr>
+          <p:spPr>
+            <a:xfrm>
+              <a:off x="6768244" y="2068399"/>
+              <a:ext cx="1332148" cy="363522"/>
+            </a:xfrm>
+            <a:prstGeom prst="straightConnector1">
+              <a:avLst/>
+            </a:prstGeom>
+            <a:ln w="57150">
+              <a:solidFill>
+                <a:srgbClr val="002060"/>
+              </a:solidFill>
+              <a:tailEnd type="arrow"/>
+            </a:ln>
+          </p:spPr>
+          <p:style>
+            <a:lnRef idx="1">
+              <a:schemeClr val="accent1"/>
+            </a:lnRef>
+            <a:fillRef idx="0">
+              <a:schemeClr val="accent1"/>
+            </a:fillRef>
+            <a:effectRef idx="0">
+              <a:schemeClr val="accent1"/>
+            </a:effectRef>
+            <a:fontRef idx="minor">
+              <a:schemeClr val="tx1"/>
+            </a:fontRef>
+          </p:style>
+        </p:cxnSp>
+        <p:sp>
+          <p:nvSpPr>
+            <p:cNvPr id="46" name="TextBox 45"/>
+            <p:cNvSpPr txBox="1"/>
+            <p:nvPr/>
+          </p:nvSpPr>
+          <p:spPr>
+            <a:xfrm>
+              <a:off x="7596336" y="1848306"/>
+              <a:ext cx="1224136" cy="276999"/>
+            </a:xfrm>
+            <a:prstGeom prst="rect">
+              <a:avLst/>
+            </a:prstGeom>
+            <a:solidFill>
+              <a:schemeClr val="accent3">
+                <a:lumMod val="60000"/>
+                <a:lumOff val="40000"/>
+              </a:schemeClr>
+            </a:solidFill>
+            <a:ln>
+              <a:solidFill>
+                <a:schemeClr val="tx1"/>
+              </a:solidFill>
+            </a:ln>
+          </p:spPr>
+          <p:txBody>
+            <a:bodyPr wrap="square" rtlCol="0" anchor="ctr">
+              <a:spAutoFit/>
+            </a:bodyPr>
+            <a:lstStyle/>
+            <a:p>
+              <a:pPr algn="ctr"/>
+              <a:r>
+                <a:rPr lang="ru-RU" sz="1200" dirty="0" smtClean="0">
+                  <a:solidFill>
+                    <a:prstClr val="black"/>
+                  </a:solidFill>
+                </a:rPr>
+                <a:t>Коммерческие</a:t>
+              </a:r>
+              <a:endParaRPr lang="ru-RU" sz="1200" dirty="0">
+                <a:solidFill>
+                  <a:prstClr val="black"/>
+                </a:solidFill>
+              </a:endParaRPr>
+            </a:p>
+          </p:txBody>
+        </p:sp>
+        <p:cxnSp>
+          <p:nvCxnSpPr>
+            <p:cNvPr id="47" name="Прямая со стрелкой 46"/>
+            <p:cNvCxnSpPr>
+              <a:stCxn id="10" idx="3"/>
+              <a:endCxn id="46" idx="0"/>
+            </p:cNvCxnSpPr>
+            <p:nvPr/>
+          </p:nvCxnSpPr>
+          <p:spPr>
+            <a:xfrm>
+              <a:off x="7524328" y="1560568"/>
+              <a:ext cx="684076" cy="287738"/>
             </a:xfrm>
             <a:prstGeom prst="straightConnector1">
               <a:avLst/>
@@ -4443,354 +3912,6 @@
           </p:style>
         </p:cxnSp>
       </p:grpSp>
-      <p:cxnSp>
-        <p:nvCxnSpPr>
-          <p:cNvPr id="29" name="Прямая соединительная линия 28"/>
-          <p:cNvCxnSpPr/>
-          <p:nvPr/>
-        </p:nvCxnSpPr>
-        <p:spPr>
-          <a:xfrm>
-            <a:off x="0" y="476672"/>
-            <a:ext cx="9144000" cy="0"/>
-          </a:xfrm>
-          <a:prstGeom prst="line">
-            <a:avLst/>
-          </a:prstGeom>
-          <a:ln w="38100">
-            <a:solidFill>
-              <a:srgbClr val="002060"/>
-            </a:solidFill>
-          </a:ln>
-        </p:spPr>
-        <p:style>
-          <a:lnRef idx="1">
-            <a:schemeClr val="accent1"/>
-          </a:lnRef>
-          <a:fillRef idx="0">
-            <a:schemeClr val="accent1"/>
-          </a:fillRef>
-          <a:effectRef idx="0">
-            <a:schemeClr val="accent1"/>
-          </a:effectRef>
-          <a:fontRef idx="minor">
-            <a:schemeClr val="tx1"/>
-          </a:fontRef>
-        </p:style>
-      </p:cxnSp>
-      <p:sp>
-        <p:nvSpPr>
-          <p:cNvPr id="30" name="Прямоугольник 29"/>
-          <p:cNvSpPr/>
-          <p:nvPr/>
-        </p:nvSpPr>
-        <p:spPr>
-          <a:xfrm>
-            <a:off x="251520" y="692696"/>
-            <a:ext cx="4248472" cy="5904656"/>
-          </a:xfrm>
-          <a:prstGeom prst="rect">
-            <a:avLst/>
-          </a:prstGeom>
-          <a:solidFill>
-            <a:schemeClr val="accent6">
-              <a:lumMod val="20000"/>
-              <a:lumOff val="80000"/>
-            </a:schemeClr>
-          </a:solidFill>
-          <a:ln>
-            <a:solidFill>
-              <a:schemeClr val="tx1"/>
-            </a:solidFill>
-          </a:ln>
-        </p:spPr>
-        <p:style>
-          <a:lnRef idx="2">
-            <a:schemeClr val="accent1">
-              <a:shade val="50000"/>
-            </a:schemeClr>
-          </a:lnRef>
-          <a:fillRef idx="1">
-            <a:schemeClr val="accent1"/>
-          </a:fillRef>
-          <a:effectRef idx="0">
-            <a:schemeClr val="accent1"/>
-          </a:effectRef>
-          <a:fontRef idx="minor">
-            <a:schemeClr val="lt1"/>
-          </a:fontRef>
-        </p:style>
-        <p:txBody>
-          <a:bodyPr rtlCol="0" anchor="t"/>
-          <a:lstStyle/>
-          <a:p>
-            <a:r>
-              <a:rPr lang="en-US" b="1" dirty="0" smtClean="0">
-                <a:solidFill>
-                  <a:prstClr val="black"/>
-                </a:solidFill>
-              </a:rPr>
-              <a:t>Test case</a:t>
-            </a:r>
-          </a:p>
-          <a:p>
-            <a:r>
-              <a:rPr lang="en-US" sz="1400" b="1" dirty="0" smtClean="0">
-                <a:solidFill>
-                  <a:prstClr val="black"/>
-                </a:solidFill>
-              </a:rPr>
-              <a:t>ID</a:t>
-            </a:r>
-            <a:r>
-              <a:rPr lang="en-US" sz="1400" dirty="0" smtClean="0">
-                <a:solidFill>
-                  <a:prstClr val="black"/>
-                </a:solidFill>
-              </a:rPr>
-              <a:t>: TEST CASE </a:t>
-            </a:r>
-            <a:r>
-              <a:rPr lang="ru-RU" sz="1400" dirty="0" smtClean="0">
-                <a:solidFill>
-                  <a:prstClr val="black"/>
-                </a:solidFill>
-              </a:rPr>
-              <a:t>2</a:t>
-            </a:r>
-            <a:endParaRPr lang="en-US" sz="1400" dirty="0" smtClean="0">
-              <a:solidFill>
-                <a:prstClr val="black"/>
-              </a:solidFill>
-            </a:endParaRPr>
-          </a:p>
-          <a:p>
-            <a:r>
-              <a:rPr lang="ru-RU" sz="1400" b="1" dirty="0" smtClean="0">
-                <a:solidFill>
-                  <a:prstClr val="black"/>
-                </a:solidFill>
-              </a:rPr>
-              <a:t>Название:</a:t>
-            </a:r>
-          </a:p>
-          <a:p>
-            <a:r>
-              <a:rPr lang="ru-RU" sz="1400" dirty="0" smtClean="0">
-                <a:solidFill>
-                  <a:prstClr val="black"/>
-                </a:solidFill>
-              </a:rPr>
-              <a:t>Тестирование </a:t>
-            </a:r>
-            <a:r>
-              <a:rPr lang="ru-RU" sz="1400" dirty="0" smtClean="0">
-                <a:solidFill>
-                  <a:prstClr val="black"/>
-                </a:solidFill>
-              </a:rPr>
-              <a:t>выдачи автомобилей по категориям</a:t>
-            </a:r>
-            <a:endParaRPr lang="ru-RU" sz="1400" dirty="0" smtClean="0">
-              <a:solidFill>
-                <a:prstClr val="black"/>
-              </a:solidFill>
-            </a:endParaRPr>
-          </a:p>
-          <a:p>
-            <a:r>
-              <a:rPr lang="ru-RU" sz="1400" b="1" dirty="0" smtClean="0">
-                <a:solidFill>
-                  <a:prstClr val="black"/>
-                </a:solidFill>
-              </a:rPr>
-              <a:t>Описание:</a:t>
-            </a:r>
-          </a:p>
-          <a:p>
-            <a:r>
-              <a:rPr lang="ru-RU" sz="1400" dirty="0" smtClean="0">
-                <a:solidFill>
-                  <a:prstClr val="black"/>
-                </a:solidFill>
-              </a:rPr>
-              <a:t>Данный тест проверяет корректность работы системы </a:t>
-            </a:r>
-            <a:r>
-              <a:rPr lang="ru-RU" sz="1400" dirty="0" smtClean="0">
-                <a:solidFill>
-                  <a:prstClr val="black"/>
-                </a:solidFill>
-              </a:rPr>
-              <a:t>выдачи автомобилей по категориям</a:t>
-            </a:r>
-            <a:endParaRPr lang="ru-RU" sz="1400" dirty="0" smtClean="0">
-              <a:solidFill>
-                <a:prstClr val="black"/>
-              </a:solidFill>
-            </a:endParaRPr>
-          </a:p>
-          <a:p>
-            <a:r>
-              <a:rPr lang="ru-RU" sz="1400" dirty="0" smtClean="0">
-                <a:solidFill>
-                  <a:prstClr val="black"/>
-                </a:solidFill>
-              </a:rPr>
-              <a:t>Во время поиска </a:t>
-            </a:r>
-            <a:r>
-              <a:rPr lang="ru-RU" sz="1400" dirty="0" smtClean="0">
-                <a:solidFill>
-                  <a:prstClr val="black"/>
-                </a:solidFill>
-              </a:rPr>
-              <a:t>проверяется переход по категории «С пробегом» на сайте</a:t>
-            </a:r>
-            <a:endParaRPr lang="ru-RU" sz="1400" dirty="0" smtClean="0">
-              <a:solidFill>
-                <a:prstClr val="black"/>
-              </a:solidFill>
-            </a:endParaRPr>
-          </a:p>
-          <a:p>
-            <a:r>
-              <a:rPr lang="ru-RU" sz="1400" b="1" dirty="0" smtClean="0">
-                <a:solidFill>
-                  <a:prstClr val="black"/>
-                </a:solidFill>
-              </a:rPr>
-              <a:t>Условия:</a:t>
-            </a:r>
-          </a:p>
-          <a:p>
-            <a:r>
-              <a:rPr lang="ru-RU" sz="1400" dirty="0" smtClean="0">
-                <a:solidFill>
-                  <a:prstClr val="black"/>
-                </a:solidFill>
-              </a:rPr>
-              <a:t>Применяются веб браузеры </a:t>
-            </a:r>
-            <a:r>
-              <a:rPr lang="en-US" sz="1400" dirty="0" smtClean="0">
-                <a:solidFill>
-                  <a:prstClr val="black"/>
-                </a:solidFill>
-              </a:rPr>
-              <a:t>Firefox, Chrome, Opera, Internet Explorer, Safari.</a:t>
-            </a:r>
-          </a:p>
-          <a:p>
-            <a:r>
-              <a:rPr lang="ru-RU" sz="1400" dirty="0" smtClean="0">
-                <a:solidFill>
-                  <a:prstClr val="black"/>
-                </a:solidFill>
-              </a:rPr>
-              <a:t>Платформа </a:t>
-            </a:r>
-            <a:r>
-              <a:rPr lang="en-US" sz="1400" dirty="0" smtClean="0">
-                <a:solidFill>
-                  <a:prstClr val="black"/>
-                </a:solidFill>
-              </a:rPr>
-              <a:t>Windows10.</a:t>
-            </a:r>
-          </a:p>
-          <a:p>
-            <a:r>
-              <a:rPr lang="ru-RU" sz="1400" b="1" dirty="0" smtClean="0">
-                <a:solidFill>
-                  <a:prstClr val="black"/>
-                </a:solidFill>
-              </a:rPr>
-              <a:t>Шаги:</a:t>
-            </a:r>
-          </a:p>
-          <a:p>
-            <a:pPr marL="285750" indent="-285750">
-              <a:buFontTx/>
-              <a:buChar char="-"/>
-            </a:pPr>
-            <a:r>
-              <a:rPr lang="ru-RU" sz="1400" dirty="0" smtClean="0">
-                <a:solidFill>
-                  <a:prstClr val="black"/>
-                </a:solidFill>
-              </a:rPr>
-              <a:t>Переходим на страницу </a:t>
-            </a:r>
-            <a:r>
-              <a:rPr lang="en-US" sz="1400" dirty="0">
-                <a:solidFill>
-                  <a:prstClr val="black"/>
-                </a:solidFill>
-                <a:hlinkClick r:id="rId2"/>
-              </a:rPr>
-              <a:t>http://</a:t>
-            </a:r>
-            <a:r>
-              <a:rPr lang="en-US" sz="1400" dirty="0" smtClean="0">
-                <a:solidFill>
-                  <a:prstClr val="black"/>
-                </a:solidFill>
-                <a:hlinkClick r:id="rId2"/>
-              </a:rPr>
-              <a:t>www.auto.ru</a:t>
-            </a:r>
-            <a:r>
-              <a:rPr lang="ru-RU" sz="1400" dirty="0" smtClean="0">
-                <a:solidFill>
-                  <a:prstClr val="black"/>
-                </a:solidFill>
-              </a:rPr>
-              <a:t>;</a:t>
-            </a:r>
-          </a:p>
-          <a:p>
-            <a:pPr marL="285750" indent="-285750">
-              <a:buFontTx/>
-              <a:buChar char="-"/>
-            </a:pPr>
-            <a:r>
-              <a:rPr lang="ru-RU" sz="1400" dirty="0" smtClean="0">
-                <a:solidFill>
-                  <a:prstClr val="black"/>
-                </a:solidFill>
-              </a:rPr>
-              <a:t>В выпадающем меню «Легковые» выбираем нажатием «с пробегом»</a:t>
-            </a:r>
-          </a:p>
-          <a:p>
-            <a:pPr marL="285750" indent="-285750">
-              <a:buFontTx/>
-              <a:buChar char="-"/>
-            </a:pPr>
-            <a:r>
-              <a:rPr lang="ru-RU" sz="1400" dirty="0" smtClean="0">
-                <a:solidFill>
-                  <a:prstClr val="black"/>
-                </a:solidFill>
-              </a:rPr>
-              <a:t>Проверяем, что на новой странице автомобили с пробегом</a:t>
-            </a:r>
-            <a:endParaRPr lang="en-US" sz="1400" dirty="0" smtClean="0">
-              <a:solidFill>
-                <a:prstClr val="black"/>
-              </a:solidFill>
-            </a:endParaRPr>
-          </a:p>
-          <a:p>
-            <a:endParaRPr lang="ru-RU" b="1" dirty="0">
-              <a:solidFill>
-                <a:prstClr val="black"/>
-              </a:solidFill>
-            </a:endParaRPr>
-          </a:p>
-        </p:txBody>
-      </p:sp>
     </p:spTree>
     <p:extLst>
       <p:ext uri="{BB962C8B-B14F-4D97-AF65-F5344CB8AC3E}">

--- a/Тест сайта www_auto_ru.pptx
+++ b/Тест сайта www_auto_ru.pptx
@@ -288,7 +288,7 @@
           <a:p>
             <a:fld id="{B4C71EC6-210F-42DE-9C53-41977AD35B3D}" type="datetimeFigureOut">
               <a:rPr lang="ru-RU" smtClean="0"/>
-              <a:t>08.11.2016</a:t>
+              <a:t>09.11.2016</a:t>
             </a:fld>
             <a:endParaRPr lang="ru-RU"/>
           </a:p>
@@ -453,7 +453,7 @@
           <a:p>
             <a:fld id="{B4C71EC6-210F-42DE-9C53-41977AD35B3D}" type="datetimeFigureOut">
               <a:rPr lang="ru-RU" smtClean="0"/>
-              <a:t>08.11.2016</a:t>
+              <a:t>09.11.2016</a:t>
             </a:fld>
             <a:endParaRPr lang="ru-RU"/>
           </a:p>
@@ -628,7 +628,7 @@
           <a:p>
             <a:fld id="{B4C71EC6-210F-42DE-9C53-41977AD35B3D}" type="datetimeFigureOut">
               <a:rPr lang="ru-RU" smtClean="0"/>
-              <a:t>08.11.2016</a:t>
+              <a:t>09.11.2016</a:t>
             </a:fld>
             <a:endParaRPr lang="ru-RU"/>
           </a:p>
@@ -793,7 +793,7 @@
           <a:p>
             <a:fld id="{B4C71EC6-210F-42DE-9C53-41977AD35B3D}" type="datetimeFigureOut">
               <a:rPr lang="ru-RU" smtClean="0"/>
-              <a:t>08.11.2016</a:t>
+              <a:t>09.11.2016</a:t>
             </a:fld>
             <a:endParaRPr lang="ru-RU"/>
           </a:p>
@@ -1034,7 +1034,7 @@
           <a:p>
             <a:fld id="{B4C71EC6-210F-42DE-9C53-41977AD35B3D}" type="datetimeFigureOut">
               <a:rPr lang="ru-RU" smtClean="0"/>
-              <a:t>08.11.2016</a:t>
+              <a:t>09.11.2016</a:t>
             </a:fld>
             <a:endParaRPr lang="ru-RU"/>
           </a:p>
@@ -1317,7 +1317,7 @@
           <a:p>
             <a:fld id="{B4C71EC6-210F-42DE-9C53-41977AD35B3D}" type="datetimeFigureOut">
               <a:rPr lang="ru-RU" smtClean="0"/>
-              <a:t>08.11.2016</a:t>
+              <a:t>09.11.2016</a:t>
             </a:fld>
             <a:endParaRPr lang="ru-RU"/>
           </a:p>
@@ -1734,7 +1734,7 @@
           <a:p>
             <a:fld id="{B4C71EC6-210F-42DE-9C53-41977AD35B3D}" type="datetimeFigureOut">
               <a:rPr lang="ru-RU" smtClean="0"/>
-              <a:t>08.11.2016</a:t>
+              <a:t>09.11.2016</a:t>
             </a:fld>
             <a:endParaRPr lang="ru-RU"/>
           </a:p>
@@ -1847,7 +1847,7 @@
           <a:p>
             <a:fld id="{B4C71EC6-210F-42DE-9C53-41977AD35B3D}" type="datetimeFigureOut">
               <a:rPr lang="ru-RU" smtClean="0"/>
-              <a:t>08.11.2016</a:t>
+              <a:t>09.11.2016</a:t>
             </a:fld>
             <a:endParaRPr lang="ru-RU"/>
           </a:p>
@@ -1937,7 +1937,7 @@
           <a:p>
             <a:fld id="{B4C71EC6-210F-42DE-9C53-41977AD35B3D}" type="datetimeFigureOut">
               <a:rPr lang="ru-RU" smtClean="0"/>
-              <a:t>08.11.2016</a:t>
+              <a:t>09.11.2016</a:t>
             </a:fld>
             <a:endParaRPr lang="ru-RU"/>
           </a:p>
@@ -2209,7 +2209,7 @@
           <a:p>
             <a:fld id="{B4C71EC6-210F-42DE-9C53-41977AD35B3D}" type="datetimeFigureOut">
               <a:rPr lang="ru-RU" smtClean="0"/>
-              <a:t>08.11.2016</a:t>
+              <a:t>09.11.2016</a:t>
             </a:fld>
             <a:endParaRPr lang="ru-RU"/>
           </a:p>
@@ -2457,7 +2457,7 @@
           <a:p>
             <a:fld id="{B4C71EC6-210F-42DE-9C53-41977AD35B3D}" type="datetimeFigureOut">
               <a:rPr lang="ru-RU" smtClean="0"/>
-              <a:t>08.11.2016</a:t>
+              <a:t>09.11.2016</a:t>
             </a:fld>
             <a:endParaRPr lang="ru-RU"/>
           </a:p>
@@ -2665,7 +2665,7 @@
           <a:p>
             <a:fld id="{B4C71EC6-210F-42DE-9C53-41977AD35B3D}" type="datetimeFigureOut">
               <a:rPr lang="ru-RU" smtClean="0"/>
-              <a:t>08.11.2016</a:t>
+              <a:t>09.11.2016</a:t>
             </a:fld>
             <a:endParaRPr lang="ru-RU"/>
           </a:p>
@@ -3106,7 +3106,7 @@
       </p:cxnSp>
       <p:grpSp>
         <p:nvGrpSpPr>
-          <p:cNvPr id="3" name="Группа 2"/>
+          <p:cNvPr id="4" name="Группа 3"/>
           <p:cNvGrpSpPr/>
           <p:nvPr/>
         </p:nvGrpSpPr>
@@ -3114,8 +3114,8 @@
           <a:xfrm>
             <a:off x="251520" y="692696"/>
             <a:ext cx="8640960" cy="5904656"/>
-            <a:chOff x="4644008" y="692696"/>
-            <a:chExt cx="4248472" cy="5904656"/>
+            <a:chOff x="251520" y="692696"/>
+            <a:chExt cx="8640960" cy="5904656"/>
           </a:xfrm>
         </p:grpSpPr>
         <p:sp>
@@ -3126,8 +3126,8 @@
           </p:nvSpPr>
           <p:spPr>
             <a:xfrm>
-              <a:off x="4644008" y="692696"/>
-              <a:ext cx="4248472" cy="5904656"/>
+              <a:off x="251520" y="692696"/>
+              <a:ext cx="8640960" cy="5904656"/>
             </a:xfrm>
             <a:prstGeom prst="rect">
               <a:avLst/>
@@ -3188,8 +3188,8 @@
           </p:nvSpPr>
           <p:spPr>
             <a:xfrm>
-              <a:off x="6813849" y="3133417"/>
-              <a:ext cx="1512168" cy="461665"/>
+              <a:off x="3965424" y="3685674"/>
+              <a:ext cx="3075596" cy="461665"/>
             </a:xfrm>
             <a:prstGeom prst="rect">
               <a:avLst/>
@@ -3237,8 +3237,8 @@
           </p:nvSpPr>
           <p:spPr>
             <a:xfrm>
-              <a:off x="6012160" y="1052736"/>
-              <a:ext cx="1512168" cy="1015663"/>
+              <a:off x="2859675" y="1597442"/>
+              <a:ext cx="3075596" cy="1015663"/>
             </a:xfrm>
             <a:prstGeom prst="rect">
               <a:avLst/>
@@ -3315,8 +3315,8 @@
           </p:nvCxnSpPr>
           <p:spPr>
             <a:xfrm>
-              <a:off x="6768244" y="2708920"/>
-              <a:ext cx="801689" cy="424497"/>
+              <a:off x="4397473" y="3253626"/>
+              <a:ext cx="1105749" cy="432048"/>
             </a:xfrm>
             <a:prstGeom prst="straightConnector1">
               <a:avLst/>
@@ -3351,8 +3351,8 @@
           </p:nvSpPr>
           <p:spPr>
             <a:xfrm>
-              <a:off x="6813849" y="4255928"/>
-              <a:ext cx="1512168" cy="276999"/>
+              <a:off x="3965424" y="4808185"/>
+              <a:ext cx="3075596" cy="276999"/>
             </a:xfrm>
             <a:prstGeom prst="rect">
               <a:avLst/>
@@ -3390,23 +3390,7 @@
                     <a:prstClr val="black"/>
                   </a:solidFill>
                 </a:rPr>
-                <a:t>марки «</a:t>
-              </a:r>
-              <a:r>
-                <a:rPr lang="en-US" sz="1200" smtClean="0">
-                  <a:solidFill>
-                    <a:prstClr val="black"/>
-                  </a:solidFill>
-                </a:rPr>
-                <a:t>Lexus</a:t>
-              </a:r>
-              <a:r>
-                <a:rPr lang="ru-RU" sz="1200" smtClean="0">
-                  <a:solidFill>
-                    <a:prstClr val="black"/>
-                  </a:solidFill>
-                </a:rPr>
-                <a:t>»</a:t>
+                <a:t>по фильтрам</a:t>
               </a:r>
               <a:endParaRPr lang="ru-RU" sz="1200" dirty="0">
                 <a:solidFill>
@@ -3427,7 +3411,7 @@
           </p:nvCxnSpPr>
           <p:spPr>
             <a:xfrm>
-              <a:off x="7569933" y="3595082"/>
+              <a:off x="5503222" y="4147339"/>
               <a:ext cx="0" cy="660846"/>
             </a:xfrm>
             <a:prstGeom prst="straightConnector1">
@@ -3463,8 +3447,8 @@
           </p:nvSpPr>
           <p:spPr>
             <a:xfrm>
-              <a:off x="4716016" y="3133417"/>
-              <a:ext cx="1152128" cy="461665"/>
+              <a:off x="683569" y="3678123"/>
+              <a:ext cx="2343311" cy="461665"/>
             </a:xfrm>
             <a:prstGeom prst="rect">
               <a:avLst/>
@@ -3515,8 +3499,8 @@
           </p:nvCxnSpPr>
           <p:spPr>
             <a:xfrm flipH="1">
-              <a:off x="5292080" y="2708920"/>
-              <a:ext cx="1476164" cy="424497"/>
+              <a:off x="1855224" y="3253626"/>
+              <a:ext cx="2542249" cy="424497"/>
             </a:xfrm>
             <a:prstGeom prst="straightConnector1">
               <a:avLst/>
@@ -3551,8 +3535,8 @@
           </p:nvSpPr>
           <p:spPr>
             <a:xfrm>
-              <a:off x="4716016" y="4071262"/>
-              <a:ext cx="1224136" cy="646331"/>
+              <a:off x="611560" y="4800634"/>
+              <a:ext cx="2489768" cy="276999"/>
             </a:xfrm>
             <a:prstGeom prst="rect">
               <a:avLst/>
@@ -3582,15 +3566,7 @@
                     <a:prstClr val="black"/>
                   </a:solidFill>
                 </a:rPr>
-                <a:t>Поиск автомобиля марки «</a:t>
-              </a:r>
-              <a:r>
-                <a:rPr lang="en-US" sz="1200" dirty="0" smtClean="0">
-                  <a:solidFill>
-                    <a:prstClr val="black"/>
-                  </a:solidFill>
-                </a:rPr>
-                <a:t>Jeep</a:t>
+                <a:t>Поиск </a:t>
               </a:r>
               <a:r>
                 <a:rPr lang="ru-RU" sz="1200" dirty="0" smtClean="0">
@@ -3598,7 +3574,7 @@
                     <a:prstClr val="black"/>
                   </a:solidFill>
                 </a:rPr>
-                <a:t>»</a:t>
+                <a:t>автомобиля по фильтрам</a:t>
               </a:r>
               <a:endParaRPr lang="ru-RU" sz="1200" dirty="0">
                 <a:solidFill>
@@ -3619,8 +3595,8 @@
           </p:nvCxnSpPr>
           <p:spPr>
             <a:xfrm>
-              <a:off x="5292080" y="3595082"/>
-              <a:ext cx="36004" cy="476180"/>
+              <a:off x="1855224" y="4139788"/>
+              <a:ext cx="1218" cy="660846"/>
             </a:xfrm>
             <a:prstGeom prst="straightConnector1">
               <a:avLst/>
@@ -3655,8 +3631,8 @@
           </p:nvSpPr>
           <p:spPr>
             <a:xfrm>
-              <a:off x="6012160" y="2431921"/>
-              <a:ext cx="1512168" cy="276999"/>
+              <a:off x="2859675" y="2976627"/>
+              <a:ext cx="3075596" cy="276999"/>
             </a:xfrm>
             <a:prstGeom prst="rect">
               <a:avLst/>
@@ -3707,7 +3683,7 @@
           </p:nvCxnSpPr>
           <p:spPr>
             <a:xfrm>
-              <a:off x="6768244" y="2068399"/>
+              <a:off x="4397473" y="2613105"/>
               <a:ext cx="0" cy="363522"/>
             </a:xfrm>
             <a:prstGeom prst="straightConnector1">
@@ -3743,8 +3719,8 @@
           </p:nvSpPr>
           <p:spPr>
             <a:xfrm>
-              <a:off x="7596336" y="2431921"/>
-              <a:ext cx="1008112" cy="276999"/>
+              <a:off x="6081728" y="2976627"/>
+              <a:ext cx="2050397" cy="276999"/>
             </a:xfrm>
             <a:prstGeom prst="rect">
               <a:avLst/>
@@ -3795,8 +3771,8 @@
           </p:nvCxnSpPr>
           <p:spPr>
             <a:xfrm>
-              <a:off x="6768244" y="2068399"/>
-              <a:ext cx="1332148" cy="363522"/>
+              <a:off x="4397473" y="2613105"/>
+              <a:ext cx="2709454" cy="363522"/>
             </a:xfrm>
             <a:prstGeom prst="straightConnector1">
               <a:avLst/>
@@ -3831,8 +3807,8 @@
           </p:nvSpPr>
           <p:spPr>
             <a:xfrm>
-              <a:off x="7596336" y="1848306"/>
-              <a:ext cx="1224136" cy="276999"/>
+              <a:off x="6081728" y="2393012"/>
+              <a:ext cx="2489768" cy="276999"/>
             </a:xfrm>
             <a:prstGeom prst="rect">
               <a:avLst/>
@@ -3883,8 +3859,8 @@
           </p:nvCxnSpPr>
           <p:spPr>
             <a:xfrm>
-              <a:off x="7524328" y="1560568"/>
-              <a:ext cx="684076" cy="287738"/>
+              <a:off x="5935271" y="2105274"/>
+              <a:ext cx="1391341" cy="287738"/>
             </a:xfrm>
             <a:prstGeom prst="straightConnector1">
               <a:avLst/>
